--- a/Documentation/Presentations/STORM Demo1.pptx
+++ b/Documentation/Presentations/STORM Demo1.pptx
@@ -9,7 +9,11 @@
     <p:sldId id="257" r:id="rId3"/>
     <p:sldId id="258" r:id="rId4"/>
     <p:sldId id="259" r:id="rId5"/>
-    <p:sldId id="260" r:id="rId6"/>
+    <p:sldId id="261" r:id="rId6"/>
+    <p:sldId id="262" r:id="rId7"/>
+    <p:sldId id="263" r:id="rId8"/>
+    <p:sldId id="264" r:id="rId9"/>
+    <p:sldId id="260" r:id="rId10"/>
   </p:sldIdLst>
   <p:sldSz cx="9144000" cy="6858000" type="screen4x3"/>
   <p:notesSz cx="6858000" cy="9144000"/>
@@ -4777,7 +4781,7 @@
           <a:p>
             <a:fld id="{C36E044D-5B51-8C48-861D-30F8C9FE6464}" type="datetimeFigureOut">
               <a:rPr lang="en-US" smtClean="0"/>
-              <a:t>15/05/28</a:t>
+              <a:t>15/05/29</a:t>
             </a:fld>
             <a:endParaRPr lang="en-US"/>
           </a:p>
@@ -5151,7 +5155,7 @@
           <a:p>
             <a:fld id="{C36E044D-5B51-8C48-861D-30F8C9FE6464}" type="datetimeFigureOut">
               <a:rPr lang="en-US" smtClean="0"/>
-              <a:t>15/05/28</a:t>
+              <a:t>15/05/29</a:t>
             </a:fld>
             <a:endParaRPr lang="en-US"/>
           </a:p>
@@ -5528,7 +5532,7 @@
           <a:p>
             <a:fld id="{C36E044D-5B51-8C48-861D-30F8C9FE6464}" type="datetimeFigureOut">
               <a:rPr lang="en-US" smtClean="0"/>
-              <a:t>15/05/28</a:t>
+              <a:t>15/05/29</a:t>
             </a:fld>
             <a:endParaRPr lang="en-US"/>
           </a:p>
@@ -6037,7 +6041,7 @@
           <a:p>
             <a:fld id="{C36E044D-5B51-8C48-861D-30F8C9FE6464}" type="datetimeFigureOut">
               <a:rPr lang="en-US" smtClean="0"/>
-              <a:t>15/05/28</a:t>
+              <a:t>15/05/29</a:t>
             </a:fld>
             <a:endParaRPr lang="en-US"/>
           </a:p>
@@ -6278,7 +6282,7 @@
           <a:p>
             <a:fld id="{C36E044D-5B51-8C48-861D-30F8C9FE6464}" type="datetimeFigureOut">
               <a:rPr lang="en-US" smtClean="0"/>
-              <a:t>15/05/28</a:t>
+              <a:t>15/05/29</a:t>
             </a:fld>
             <a:endParaRPr lang="en-US"/>
           </a:p>
@@ -6509,7 +6513,7 @@
           <a:p>
             <a:fld id="{C36E044D-5B51-8C48-861D-30F8C9FE6464}" type="datetimeFigureOut">
               <a:rPr lang="en-US" smtClean="0"/>
-              <a:t>15/05/28</a:t>
+              <a:t>15/05/29</a:t>
             </a:fld>
             <a:endParaRPr lang="en-US"/>
           </a:p>
@@ -13865,7 +13869,7 @@
           <a:p>
             <a:fld id="{C36E044D-5B51-8C48-861D-30F8C9FE6464}" type="datetimeFigureOut">
               <a:rPr lang="en-US" smtClean="0"/>
-              <a:t>15/05/28</a:t>
+              <a:t>15/05/29</a:t>
             </a:fld>
             <a:endParaRPr lang="en-US"/>
           </a:p>
@@ -14402,7 +14406,7 @@
           <a:p>
             <a:fld id="{C36E044D-5B51-8C48-861D-30F8C9FE6464}" type="datetimeFigureOut">
               <a:rPr lang="en-US" smtClean="0"/>
-              <a:t>15/05/28</a:t>
+              <a:t>15/05/29</a:t>
             </a:fld>
             <a:endParaRPr lang="en-US"/>
           </a:p>
@@ -14577,7 +14581,7 @@
           <a:p>
             <a:fld id="{C36E044D-5B51-8C48-861D-30F8C9FE6464}" type="datetimeFigureOut">
               <a:rPr lang="en-US" smtClean="0"/>
-              <a:t>15/05/28</a:t>
+              <a:t>15/05/29</a:t>
             </a:fld>
             <a:endParaRPr lang="en-US"/>
           </a:p>
@@ -14667,7 +14671,7 @@
           <a:p>
             <a:fld id="{C36E044D-5B51-8C48-861D-30F8C9FE6464}" type="datetimeFigureOut">
               <a:rPr lang="en-US" smtClean="0"/>
-              <a:t>15/05/28</a:t>
+              <a:t>15/05/29</a:t>
             </a:fld>
             <a:endParaRPr lang="en-US"/>
           </a:p>
@@ -15003,7 +15007,7 @@
           <a:p>
             <a:fld id="{C36E044D-5B51-8C48-861D-30F8C9FE6464}" type="datetimeFigureOut">
               <a:rPr lang="en-US" smtClean="0"/>
-              <a:t>15/05/28</a:t>
+              <a:t>15/05/29</a:t>
             </a:fld>
             <a:endParaRPr lang="en-US"/>
           </a:p>
@@ -16423,7 +16427,7 @@
           <a:p>
             <a:fld id="{C36E044D-5B51-8C48-861D-30F8C9FE6464}" type="datetimeFigureOut">
               <a:rPr lang="en-US" smtClean="0"/>
-              <a:t>15/05/28</a:t>
+              <a:t>15/05/29</a:t>
             </a:fld>
             <a:endParaRPr lang="en-US"/>
           </a:p>
@@ -17357,7 +17361,6 @@
               <a:rPr lang="en-US" dirty="0"/>
               <a:t>Random shuffle of teams</a:t>
             </a:r>
-            <a:endParaRPr lang="en-US" dirty="0"/>
           </a:p>
         </p:txBody>
       </p:sp>
@@ -17415,9 +17418,204 @@
           <a:p>
             <a:r>
               <a:rPr lang="en-US" dirty="0" smtClean="0"/>
-              <a:t>And now the fun part</a:t>
+              <a:t>Challenges</a:t>
             </a:r>
             <a:endParaRPr lang="en-US" dirty="0"/>
+          </a:p>
+        </p:txBody>
+      </p:sp>
+      <p:sp>
+        <p:nvSpPr>
+          <p:cNvPr id="3" name="Content Placeholder 2"/>
+          <p:cNvSpPr>
+            <a:spLocks noGrp="1"/>
+          </p:cNvSpPr>
+          <p:nvPr>
+            <p:ph idx="1"/>
+          </p:nvPr>
+        </p:nvSpPr>
+        <p:spPr/>
+        <p:txBody>
+          <a:bodyPr>
+            <a:normAutofit lnSpcReduction="10000"/>
+          </a:bodyPr>
+          <a:lstStyle/>
+          <a:p>
+            <a:r>
+              <a:rPr lang="en-US" dirty="0" smtClean="0"/>
+              <a:t>The challenges we faced so far may have been remedial, but it still has an effect on on a project like this.</a:t>
+            </a:r>
+          </a:p>
+          <a:p>
+            <a:pPr>
+              <a:buFont typeface="Arial"/>
+              <a:buChar char="•"/>
+            </a:pPr>
+            <a:r>
+              <a:rPr lang="en-US" b="1" dirty="0" smtClean="0"/>
+              <a:t>The untrustworthy university Wi-Fi.</a:t>
+            </a:r>
+          </a:p>
+          <a:p>
+            <a:pPr>
+              <a:buFont typeface="Arial"/>
+              <a:buChar char="•"/>
+            </a:pPr>
+            <a:r>
+              <a:rPr lang="en-US" dirty="0" smtClean="0"/>
+              <a:t>Deciding in which technologies to make use of.</a:t>
+            </a:r>
+          </a:p>
+          <a:p>
+            <a:pPr>
+              <a:buFont typeface="Arial"/>
+              <a:buChar char="•"/>
+            </a:pPr>
+            <a:r>
+              <a:rPr lang="en-US" dirty="0" smtClean="0"/>
+              <a:t>Finding a way to host our </a:t>
+            </a:r>
+            <a:r>
+              <a:rPr lang="en-US" dirty="0" err="1" smtClean="0"/>
+              <a:t>MongoDB</a:t>
+            </a:r>
+            <a:r>
+              <a:rPr lang="en-US" dirty="0" smtClean="0"/>
+              <a:t>, as we can only get a 60 day free trail for hosting.</a:t>
+            </a:r>
+          </a:p>
+        </p:txBody>
+      </p:sp>
+    </p:spTree>
+    <p:extLst>
+      <p:ext uri="{BB962C8B-B14F-4D97-AF65-F5344CB8AC3E}">
+        <p14:creationId xmlns:p14="http://schemas.microsoft.com/office/powerpoint/2010/main" val="1506105925"/>
+      </p:ext>
+    </p:extLst>
+  </p:cSld>
+  <p:clrMapOvr>
+    <a:masterClrMapping/>
+  </p:clrMapOvr>
+</p:sld>
+</file>
+
+<file path=ppt/slides/slide6.xml><?xml version="1.0" encoding="utf-8"?>
+<p:sld xmlns:a="http://schemas.openxmlformats.org/drawingml/2006/main" xmlns:r="http://schemas.openxmlformats.org/officeDocument/2006/relationships" xmlns:p="http://schemas.openxmlformats.org/presentationml/2006/main">
+  <p:cSld>
+    <p:spTree>
+      <p:nvGrpSpPr>
+        <p:cNvPr id="1" name=""/>
+        <p:cNvGrpSpPr/>
+        <p:nvPr/>
+      </p:nvGrpSpPr>
+      <p:grpSpPr>
+        <a:xfrm>
+          <a:off x="0" y="0"/>
+          <a:ext cx="0" cy="0"/>
+          <a:chOff x="0" y="0"/>
+          <a:chExt cx="0" cy="0"/>
+        </a:xfrm>
+      </p:grpSpPr>
+      <p:sp>
+        <p:nvSpPr>
+          <p:cNvPr id="2" name="Title 1"/>
+          <p:cNvSpPr>
+            <a:spLocks noGrp="1"/>
+          </p:cNvSpPr>
+          <p:nvPr>
+            <p:ph type="title"/>
+          </p:nvPr>
+        </p:nvSpPr>
+        <p:spPr/>
+        <p:txBody>
+          <a:bodyPr/>
+          <a:lstStyle/>
+          <a:p>
+            <a:r>
+              <a:rPr lang="en-US" dirty="0" smtClean="0"/>
+              <a:t>How we handled the challenges</a:t>
+            </a:r>
+            <a:endParaRPr lang="en-US" dirty="0"/>
+          </a:p>
+        </p:txBody>
+      </p:sp>
+      <p:sp>
+        <p:nvSpPr>
+          <p:cNvPr id="3" name="Content Placeholder 2"/>
+          <p:cNvSpPr>
+            <a:spLocks noGrp="1"/>
+          </p:cNvSpPr>
+          <p:nvPr>
+            <p:ph idx="1"/>
+          </p:nvPr>
+        </p:nvSpPr>
+        <p:spPr/>
+        <p:txBody>
+          <a:bodyPr>
+            <a:normAutofit/>
+          </a:bodyPr>
+          <a:lstStyle/>
+          <a:p>
+            <a:pPr>
+              <a:buFont typeface="Arial"/>
+              <a:buChar char="•"/>
+            </a:pPr>
+            <a:r>
+              <a:rPr lang="en-US" dirty="0" smtClean="0"/>
+              <a:t>We still do not have a solution to the Wi-Fi problem, at this moment we just accepted the issue and bring our own mobile routers with to the group programming sessions.</a:t>
+            </a:r>
+          </a:p>
+        </p:txBody>
+      </p:sp>
+    </p:spTree>
+    <p:extLst>
+      <p:ext uri="{BB962C8B-B14F-4D97-AF65-F5344CB8AC3E}">
+        <p14:creationId xmlns:p14="http://schemas.microsoft.com/office/powerpoint/2010/main" val="3901536570"/>
+      </p:ext>
+    </p:extLst>
+  </p:cSld>
+  <p:clrMapOvr>
+    <a:masterClrMapping/>
+  </p:clrMapOvr>
+</p:sld>
+</file>
+
+<file path=ppt/slides/slide7.xml><?xml version="1.0" encoding="utf-8"?>
+<p:sld xmlns:a="http://schemas.openxmlformats.org/drawingml/2006/main" xmlns:r="http://schemas.openxmlformats.org/officeDocument/2006/relationships" xmlns:p="http://schemas.openxmlformats.org/presentationml/2006/main">
+  <p:cSld>
+    <p:spTree>
+      <p:nvGrpSpPr>
+        <p:cNvPr id="1" name=""/>
+        <p:cNvGrpSpPr/>
+        <p:nvPr/>
+      </p:nvGrpSpPr>
+      <p:grpSpPr>
+        <a:xfrm>
+          <a:off x="0" y="0"/>
+          <a:ext cx="0" cy="0"/>
+          <a:chOff x="0" y="0"/>
+          <a:chExt cx="0" cy="0"/>
+        </a:xfrm>
+      </p:grpSpPr>
+      <p:sp>
+        <p:nvSpPr>
+          <p:cNvPr id="2" name="Title 1"/>
+          <p:cNvSpPr>
+            <a:spLocks noGrp="1"/>
+          </p:cNvSpPr>
+          <p:nvPr>
+            <p:ph type="title"/>
+          </p:nvPr>
+        </p:nvSpPr>
+        <p:spPr/>
+        <p:txBody>
+          <a:bodyPr/>
+          <a:lstStyle/>
+          <a:p>
+            <a:r>
+              <a:rPr lang="en-US" dirty="0"/>
+              <a:t>How we handled the challenges</a:t>
+            </a:r>
           </a:p>
         </p:txBody>
       </p:sp>
@@ -17436,28 +17634,296 @@
           <a:bodyPr/>
           <a:lstStyle/>
           <a:p>
+            <a:pPr>
+              <a:buFont typeface="Arial"/>
+              <a:buChar char="•"/>
+            </a:pPr>
+            <a:r>
+              <a:rPr lang="en-US" dirty="0"/>
+              <a:t>Concerning the technologies, the client wants a web-based system. So far we have used HTML and PHP for the front-end development, but we are looking into JavaScript (Mainly </a:t>
+            </a:r>
+            <a:r>
+              <a:rPr lang="en-US" dirty="0" err="1"/>
+              <a:t>node.js</a:t>
+            </a:r>
+            <a:r>
+              <a:rPr lang="en-US" dirty="0"/>
+              <a:t>) for the back-end development, as this makes the whole package and release system easier.</a:t>
+            </a:r>
+          </a:p>
+        </p:txBody>
+      </p:sp>
+    </p:spTree>
+    <p:extLst>
+      <p:ext uri="{BB962C8B-B14F-4D97-AF65-F5344CB8AC3E}">
+        <p14:creationId xmlns:p14="http://schemas.microsoft.com/office/powerpoint/2010/main" val="4050145349"/>
+      </p:ext>
+    </p:extLst>
+  </p:cSld>
+  <p:clrMapOvr>
+    <a:masterClrMapping/>
+  </p:clrMapOvr>
+</p:sld>
+</file>
+
+<file path=ppt/slides/slide8.xml><?xml version="1.0" encoding="utf-8"?>
+<p:sld xmlns:a="http://schemas.openxmlformats.org/drawingml/2006/main" xmlns:r="http://schemas.openxmlformats.org/officeDocument/2006/relationships" xmlns:p="http://schemas.openxmlformats.org/presentationml/2006/main">
+  <p:cSld>
+    <p:spTree>
+      <p:nvGrpSpPr>
+        <p:cNvPr id="1" name=""/>
+        <p:cNvGrpSpPr/>
+        <p:nvPr/>
+      </p:nvGrpSpPr>
+      <p:grpSpPr>
+        <a:xfrm>
+          <a:off x="0" y="0"/>
+          <a:ext cx="0" cy="0"/>
+          <a:chOff x="0" y="0"/>
+          <a:chExt cx="0" cy="0"/>
+        </a:xfrm>
+      </p:grpSpPr>
+      <p:sp>
+        <p:nvSpPr>
+          <p:cNvPr id="2" name="Title 1"/>
+          <p:cNvSpPr>
+            <a:spLocks noGrp="1"/>
+          </p:cNvSpPr>
+          <p:nvPr>
+            <p:ph type="title"/>
+          </p:nvPr>
+        </p:nvSpPr>
+        <p:spPr/>
+        <p:txBody>
+          <a:bodyPr/>
+          <a:lstStyle/>
+          <a:p>
+            <a:r>
+              <a:rPr lang="en-US" dirty="0"/>
+              <a:t>How we handled the challenges</a:t>
+            </a:r>
+          </a:p>
+        </p:txBody>
+      </p:sp>
+      <p:sp>
+        <p:nvSpPr>
+          <p:cNvPr id="3" name="Content Placeholder 2"/>
+          <p:cNvSpPr>
+            <a:spLocks noGrp="1"/>
+          </p:cNvSpPr>
+          <p:nvPr>
+            <p:ph idx="1"/>
+          </p:nvPr>
+        </p:nvSpPr>
+        <p:spPr/>
+        <p:txBody>
+          <a:bodyPr>
+            <a:normAutofit fontScale="85000" lnSpcReduction="10000"/>
+          </a:bodyPr>
+          <a:lstStyle/>
+          <a:p>
+            <a:pPr>
+              <a:buFont typeface="Arial"/>
+              <a:buChar char="•"/>
+            </a:pPr>
+            <a:r>
+              <a:rPr lang="en-US" dirty="0"/>
+              <a:t>Concerning the </a:t>
+            </a:r>
+            <a:r>
+              <a:rPr lang="en-US" dirty="0" err="1" smtClean="0"/>
+              <a:t>MongoDB</a:t>
+            </a:r>
             <a:r>
               <a:rPr lang="en-US" dirty="0" smtClean="0"/>
-              <a:t>Click here to open our program.</a:t>
+              <a:t>, we have emailed the hosting companies asking for a solution to this problem, as we are students and this is used for study purposes.</a:t>
             </a:r>
           </a:p>
           <a:p>
+            <a:pPr>
+              <a:buFont typeface="Arial"/>
+              <a:buChar char="•"/>
+            </a:pPr>
+            <a:r>
+              <a:rPr lang="en-US" dirty="0" smtClean="0"/>
+              <a:t>We got a reply from someone at the </a:t>
+            </a:r>
+            <a:r>
+              <a:rPr lang="en-US" dirty="0"/>
+              <a:t>Google Cloud Platform Sales </a:t>
+            </a:r>
+            <a:r>
+              <a:rPr lang="en-US" dirty="0" smtClean="0"/>
+              <a:t>Team, which gave us some information on solutions to explore through their cloud servers.</a:t>
+            </a:r>
+          </a:p>
+          <a:p>
+            <a:pPr>
+              <a:buFont typeface="Arial"/>
+              <a:buChar char="•"/>
+            </a:pPr>
+            <a:r>
+              <a:rPr lang="en-US" dirty="0" smtClean="0"/>
+              <a:t>But for now, we have decided to start with the 60 day </a:t>
+            </a:r>
+            <a:r>
+              <a:rPr lang="en-US" smtClean="0"/>
+              <a:t>trial until </a:t>
+            </a:r>
+            <a:r>
+              <a:rPr lang="en-US" dirty="0" smtClean="0"/>
+              <a:t>we get a more concrete solution for the hosting.</a:t>
+            </a:r>
             <a:endParaRPr lang="en-US" dirty="0"/>
+          </a:p>
+        </p:txBody>
+      </p:sp>
+    </p:spTree>
+    <p:extLst>
+      <p:ext uri="{BB962C8B-B14F-4D97-AF65-F5344CB8AC3E}">
+        <p14:creationId xmlns:p14="http://schemas.microsoft.com/office/powerpoint/2010/main" val="1782444689"/>
+      </p:ext>
+    </p:extLst>
+  </p:cSld>
+  <p:clrMapOvr>
+    <a:masterClrMapping/>
+  </p:clrMapOvr>
+</p:sld>
+</file>
+
+<file path=ppt/slides/slide9.xml><?xml version="1.0" encoding="utf-8"?>
+<p:sld xmlns:a="http://schemas.openxmlformats.org/drawingml/2006/main" xmlns:r="http://schemas.openxmlformats.org/officeDocument/2006/relationships" xmlns:p="http://schemas.openxmlformats.org/presentationml/2006/main">
+  <p:cSld>
+    <p:spTree>
+      <p:nvGrpSpPr>
+        <p:cNvPr id="1" name=""/>
+        <p:cNvGrpSpPr/>
+        <p:nvPr/>
+      </p:nvGrpSpPr>
+      <p:grpSpPr>
+        <a:xfrm>
+          <a:off x="0" y="0"/>
+          <a:ext cx="0" cy="0"/>
+          <a:chOff x="0" y="0"/>
+          <a:chExt cx="0" cy="0"/>
+        </a:xfrm>
+      </p:grpSpPr>
+      <p:sp>
+        <p:nvSpPr>
+          <p:cNvPr id="2" name="Title 1"/>
+          <p:cNvSpPr>
+            <a:spLocks noGrp="1"/>
+          </p:cNvSpPr>
+          <p:nvPr>
+            <p:ph type="title"/>
+          </p:nvPr>
+        </p:nvSpPr>
+        <p:spPr/>
+        <p:txBody>
+          <a:bodyPr/>
+          <a:lstStyle/>
+          <a:p>
+            <a:r>
+              <a:rPr lang="en-US" dirty="0" smtClean="0"/>
+              <a:t>And now the fun part</a:t>
+            </a:r>
+            <a:endParaRPr lang="en-US" dirty="0"/>
+          </a:p>
+        </p:txBody>
+      </p:sp>
+      <p:sp>
+        <p:nvSpPr>
+          <p:cNvPr id="3" name="Content Placeholder 2"/>
+          <p:cNvSpPr>
+            <a:spLocks noGrp="1"/>
+          </p:cNvSpPr>
+          <p:nvPr>
+            <p:ph idx="1"/>
+          </p:nvPr>
+        </p:nvSpPr>
+        <p:spPr>
+          <a:xfrm>
+            <a:off x="523875" y="3012142"/>
+            <a:ext cx="8207375" cy="3388658"/>
+          </a:xfrm>
+        </p:spPr>
+        <p:txBody>
+          <a:bodyPr/>
+          <a:lstStyle/>
+          <a:p>
+            <a:r>
+              <a:rPr lang="en-US" dirty="0" smtClean="0"/>
+              <a:t>Click here to </a:t>
+            </a:r>
+            <a:r>
+              <a:rPr lang="en-US" dirty="0" smtClean="0"/>
+              <a:t>navigate to the appropriate directory</a:t>
+            </a:r>
+            <a:r>
+              <a:rPr lang="en-US" dirty="0" smtClean="0"/>
+              <a:t>.</a:t>
+            </a:r>
+            <a:endParaRPr lang="en-US" dirty="0" smtClean="0"/>
+          </a:p>
+          <a:p>
+            <a:pPr marL="0" indent="0">
+              <a:buNone/>
+            </a:pPr>
+            <a:endParaRPr lang="en-US" dirty="0" smtClean="0"/>
           </a:p>
           <a:p>
             <a:pPr marL="0" indent="0">
               <a:buNone/>
             </a:pPr>
             <a:r>
+              <a:rPr lang="en-US" dirty="0" smtClean="0"/>
+              <a:t>			</a:t>
+            </a:r>
+            <a:r>
               <a:rPr lang="en-US" dirty="0" smtClean="0">
                 <a:hlinkClick r:id="rId2" action="ppaction://hlinkfile"/>
               </a:rPr>
-              <a:t>file://localhost/Users/johannmarx/STORMReq/src/</a:t>
+              <a:t>Show Directory</a:t>
             </a:r>
             <a:endParaRPr lang="en-US" dirty="0" smtClean="0"/>
           </a:p>
         </p:txBody>
       </p:sp>
+      <p:cxnSp>
+        <p:nvCxnSpPr>
+          <p:cNvPr id="13" name="Curved Connector 12"/>
+          <p:cNvCxnSpPr/>
+          <p:nvPr/>
+        </p:nvCxnSpPr>
+        <p:spPr>
+          <a:xfrm>
+            <a:off x="2190750" y="3381375"/>
+            <a:ext cx="1206500" cy="1174750"/>
+          </a:xfrm>
+          <a:prstGeom prst="curvedConnector3">
+            <a:avLst>
+              <a:gd name="adj1" fmla="val 50000"/>
+            </a:avLst>
+          </a:prstGeom>
+          <a:ln>
+            <a:tailEnd type="arrow"/>
+          </a:ln>
+        </p:spPr>
+        <p:style>
+          <a:lnRef idx="2">
+            <a:schemeClr val="accent1"/>
+          </a:lnRef>
+          <a:fillRef idx="0">
+            <a:schemeClr val="accent1"/>
+          </a:fillRef>
+          <a:effectRef idx="1">
+            <a:schemeClr val="accent1"/>
+          </a:effectRef>
+          <a:fontRef idx="minor">
+            <a:schemeClr val="tx1"/>
+          </a:fontRef>
+        </p:style>
+      </p:cxnSp>
     </p:spTree>
     <p:extLst>
       <p:ext uri="{BB962C8B-B14F-4D97-AF65-F5344CB8AC3E}">

--- a/Documentation/Presentations/STORM Demo1.pptx
+++ b/Documentation/Presentations/STORM Demo1.pptx
@@ -17055,6 +17055,13 @@
   <p:clrMapOvr>
     <a:masterClrMapping/>
   </p:clrMapOvr>
+  <p:timing>
+    <p:tnLst>
+      <p:par>
+        <p:cTn xmlns:p14="http://schemas.microsoft.com/office/powerpoint/2010/main" id="1" dur="indefinite" restart="never" nodeType="tmRoot"/>
+      </p:par>
+    </p:tnLst>
+  </p:timing>
 </p:sld>
 </file>
 
@@ -17139,6 +17146,13 @@
   <p:clrMapOvr>
     <a:masterClrMapping/>
   </p:clrMapOvr>
+  <p:timing>
+    <p:tnLst>
+      <p:par>
+        <p:cTn xmlns:p14="http://schemas.microsoft.com/office/powerpoint/2010/main" id="1" dur="indefinite" restart="never" nodeType="tmRoot"/>
+      </p:par>
+    </p:tnLst>
+  </p:timing>
 </p:sld>
 </file>
 
@@ -17207,7 +17221,15 @@
           <a:p>
             <a:r>
               <a:rPr lang="en-US" dirty="0" smtClean="0"/>
-              <a:t>Their idea is to start developing the backbone to the software (Just a simple GUI, input of users, and random shuffle of the users into groups).  As soon as this is done, we will go to the next section of the spiral and expand the functionality as to their liking.</a:t>
+              <a:t>Their idea is to start developing the backbone to the software (Just a simple GUI, input of users, </a:t>
+            </a:r>
+            <a:r>
+              <a:rPr lang="en-US" dirty="0" smtClean="0"/>
+              <a:t>random shuffle and manual shuffle </a:t>
+            </a:r>
+            <a:r>
+              <a:rPr lang="en-US" dirty="0" smtClean="0"/>
+              <a:t>of the users into groups).  As soon as this is done, we will go to the next section of the spiral and expand the functionality as to their liking.</a:t>
             </a:r>
             <a:endParaRPr lang="en-US" dirty="0"/>
           </a:p>
@@ -17223,6 +17245,13 @@
   <p:clrMapOvr>
     <a:masterClrMapping/>
   </p:clrMapOvr>
+  <p:timing>
+    <p:tnLst>
+      <p:par>
+        <p:cTn xmlns:p14="http://schemas.microsoft.com/office/powerpoint/2010/main" id="1" dur="indefinite" restart="never" nodeType="tmRoot"/>
+      </p:par>
+    </p:tnLst>
+  </p:timing>
 </p:sld>
 </file>
 
@@ -17463,7 +17492,15 @@
             </a:pPr>
             <a:r>
               <a:rPr lang="en-US" dirty="0" smtClean="0"/>
-              <a:t>Deciding in which technologies to make use of.</a:t>
+              <a:t>Deciding </a:t>
+            </a:r>
+            <a:r>
+              <a:rPr lang="en-US" dirty="0" smtClean="0"/>
+              <a:t>on </a:t>
+            </a:r>
+            <a:r>
+              <a:rPr lang="en-US" dirty="0" smtClean="0"/>
+              <a:t>which technologies to make use of.</a:t>
             </a:r>
           </a:p>
           <a:p>
@@ -17496,6 +17533,13 @@
   <p:clrMapOvr>
     <a:masterClrMapping/>
   </p:clrMapOvr>
+  <p:timing>
+    <p:tnLst>
+      <p:par>
+        <p:cTn xmlns:p14="http://schemas.microsoft.com/office/powerpoint/2010/main" id="1" dur="indefinite" restart="never" nodeType="tmRoot"/>
+      </p:par>
+    </p:tnLst>
+  </p:timing>
 </p:sld>
 </file>
 
@@ -17562,7 +17606,19 @@
             </a:pPr>
             <a:r>
               <a:rPr lang="en-US" dirty="0" smtClean="0"/>
-              <a:t>We still do not have a solution to the Wi-Fi problem, at this moment we just accepted the issue and bring our own mobile routers with to the group programming sessions.</a:t>
+              <a:t>We still do not have a solution to the Wi-Fi problem, at this moment we </a:t>
+            </a:r>
+            <a:r>
+              <a:rPr lang="en-US" smtClean="0"/>
+              <a:t>just </a:t>
+            </a:r>
+            <a:r>
+              <a:rPr lang="en-US" smtClean="0"/>
+              <a:t>accept </a:t>
+            </a:r>
+            <a:r>
+              <a:rPr lang="en-US" dirty="0" smtClean="0"/>
+              <a:t>the issue and bring our own mobile routers with to the group programming sessions.</a:t>
             </a:r>
           </a:p>
         </p:txBody>
@@ -17577,6 +17633,13 @@
   <p:clrMapOvr>
     <a:masterClrMapping/>
   </p:clrMapOvr>
+  <p:timing>
+    <p:tnLst>
+      <p:par>
+        <p:cTn xmlns:p14="http://schemas.microsoft.com/office/powerpoint/2010/main" id="1" dur="indefinite" restart="never" nodeType="tmRoot"/>
+      </p:par>
+    </p:tnLst>
+  </p:timing>
 </p:sld>
 </file>
 
@@ -17640,15 +17703,59 @@
             </a:pPr>
             <a:r>
               <a:rPr lang="en-US" dirty="0"/>
-              <a:t>Concerning the technologies, the client wants a web-based system. So far we have used HTML and PHP for the front-end development, but we are looking into JavaScript (Mainly </a:t>
+              <a:t>Concerning the technologies, the client wants a web-based system. So far we have used </a:t>
+            </a:r>
+            <a:r>
+              <a:rPr lang="en-US" dirty="0" smtClean="0"/>
+              <a:t>HTML, JavaScript, </a:t>
+            </a:r>
+            <a:r>
+              <a:rPr lang="en-US" dirty="0" err="1" smtClean="0"/>
+              <a:t>JQuery</a:t>
+            </a:r>
+            <a:r>
+              <a:rPr lang="en-US" dirty="0" smtClean="0"/>
+              <a:t> and </a:t>
+            </a:r>
+            <a:r>
+              <a:rPr lang="en-US" dirty="0" err="1" smtClean="0"/>
+              <a:t>JQuery</a:t>
+            </a:r>
+            <a:r>
+              <a:rPr lang="en-US" dirty="0" err="1" smtClean="0"/>
+              <a:t>UI</a:t>
+            </a:r>
+            <a:r>
+              <a:rPr lang="en-US" dirty="0" smtClean="0"/>
+              <a:t> </a:t>
+            </a:r>
+            <a:r>
+              <a:rPr lang="en-US" dirty="0" smtClean="0"/>
+              <a:t>for </a:t>
+            </a:r>
+            <a:r>
+              <a:rPr lang="en-US" dirty="0"/>
+              <a:t>the front-end development, but we are looking into JavaScript (Mainly </a:t>
             </a:r>
             <a:r>
               <a:rPr lang="en-US" dirty="0" err="1"/>
               <a:t>node.js</a:t>
             </a:r>
             <a:r>
+              <a:rPr lang="en-US" dirty="0" smtClean="0"/>
+              <a:t>) and </a:t>
+            </a:r>
+            <a:r>
+              <a:rPr lang="en-US" dirty="0" err="1" smtClean="0"/>
+              <a:t>AngularJS</a:t>
+            </a:r>
+            <a:r>
+              <a:rPr lang="en-US" dirty="0" smtClean="0"/>
+              <a:t> </a:t>
+            </a:r>
+            <a:r>
               <a:rPr lang="en-US" dirty="0"/>
-              <a:t>) for the back-end development, as this makes the whole package and release system easier.</a:t>
+              <a:t>for the back-end development, as this makes the whole package and release system easier.</a:t>
             </a:r>
           </a:p>
         </p:txBody>
@@ -17663,6 +17770,13 @@
   <p:clrMapOvr>
     <a:masterClrMapping/>
   </p:clrMapOvr>
+  <p:timing>
+    <p:tnLst>
+      <p:par>
+        <p:cTn xmlns:p14="http://schemas.microsoft.com/office/powerpoint/2010/main" id="1" dur="indefinite" restart="never" nodeType="tmRoot"/>
+      </p:par>
+    </p:tnLst>
+  </p:timing>
 </p:sld>
 </file>
 
@@ -17788,6 +17902,13 @@
   <p:clrMapOvr>
     <a:masterClrMapping/>
   </p:clrMapOvr>
+  <p:timing>
+    <p:tnLst>
+      <p:par>
+        <p:cTn xmlns:p14="http://schemas.microsoft.com/office/powerpoint/2010/main" id="1" dur="indefinite" restart="never" nodeType="tmRoot"/>
+      </p:par>
+    </p:tnLst>
+  </p:timing>
 </p:sld>
 </file>
 
@@ -17853,17 +17974,8 @@
           <a:p>
             <a:r>
               <a:rPr lang="en-US" dirty="0" smtClean="0"/>
-              <a:t>Click here to </a:t>
+              <a:t>Click here to navigate to the appropriate directory.</a:t>
             </a:r>
-            <a:r>
-              <a:rPr lang="en-US" dirty="0" smtClean="0"/>
-              <a:t>navigate to the appropriate directory</a:t>
-            </a:r>
-            <a:r>
-              <a:rPr lang="en-US" dirty="0" smtClean="0"/>
-              <a:t>.</a:t>
-            </a:r>
-            <a:endParaRPr lang="en-US" dirty="0" smtClean="0"/>
           </a:p>
           <a:p>
             <a:pPr marL="0" indent="0">
